--- a/PPT/data-analytics-platform.pptx
+++ b/PPT/data-analytics-platform.pptx
@@ -14043,7 +14043,7 @@
           <a:p>
             <a:fld id="{8F7D5DB6-C4AC-46CE-961F-A1E43622D70C}" type="datetimeFigureOut">
               <a:rPr lang="en-US" smtClean="0"/>
-              <a:t>11/19/19</a:t>
+              <a:t>11/24/19</a:t>
             </a:fld>
             <a:endParaRPr lang="en-US"/>
           </a:p>
@@ -14224,7 +14224,7 @@
               <a:pPr>
                 <a:defRPr/>
               </a:pPr>
-              <a:t>19/11/2019</a:t>
+              <a:t>24/11/2019</a:t>
             </a:fld>
             <a:endParaRPr lang="en-GB"/>
           </a:p>
@@ -18366,8 +18366,8 @@
           </a:prstGeom>
         </p:spPr>
       </p:pic>
-      <mc:AlternateContent xmlns:mc="http://schemas.openxmlformats.org/markup-compatibility/2006">
-        <mc:Choice xmlns:a14="http://schemas.microsoft.com/office/drawing/2010/main" Requires="a14">
+      <mc:AlternateContent xmlns:mc="http://schemas.openxmlformats.org/markup-compatibility/2006" xmlns:a14="http://schemas.microsoft.com/office/drawing/2010/main">
+        <mc:Choice Requires="a14">
           <p:sp>
             <p:nvSpPr>
               <p:cNvPr id="6" name="TextBox 5">
@@ -18396,6 +18396,7 @@
               </a:bodyPr>
               <a:lstStyle/>
               <a:p>
+                <a:pPr/>
                 <a14:m>
                   <m:oMathPara xmlns:m="http://schemas.openxmlformats.org/officeDocument/2006/math">
                     <m:oMathParaPr>
@@ -18568,7 +18569,7 @@
             </p:txBody>
           </p:sp>
         </mc:Choice>
-        <mc:Fallback>
+        <mc:Fallback xmlns="">
           <p:sp>
             <p:nvSpPr>
               <p:cNvPr id="6" name="TextBox 5">
@@ -19566,7 +19567,7 @@
         <p:spPr>
           <a:xfrm>
             <a:off x="838200" y="1352550"/>
-            <a:ext cx="6324600" cy="1477328"/>
+            <a:ext cx="6324600" cy="2862322"/>
           </a:xfrm>
           <a:prstGeom prst="rect">
             <a:avLst/>
@@ -19590,22 +19591,65 @@
             <a:endParaRPr lang="en-US" altLang="zh-CN" dirty="0"/>
           </a:p>
           <a:p>
-            <a:pPr marL="285750" indent="-285750">
-              <a:buFont typeface="Arial" panose="020B0604020202020204" pitchFamily="34" charset="0"/>
-              <a:buChar char="•"/>
-            </a:pPr>
-            <a:r>
-              <a:rPr lang="en-US" altLang="zh-CN" dirty="0" err="1"/>
-              <a:t>Plotly</a:t>
-            </a:r>
             <a:r>
               <a:rPr lang="zh-CN" altLang="en-US" dirty="0"/>
-              <a:t> </a:t>
+              <a:t>      </a:t>
             </a:r>
             <a:r>
               <a:rPr lang="en-US" altLang="zh-CN" dirty="0"/>
-              <a:t>Dash</a:t>
-            </a:r>
+              <a:t>Easy</a:t>
+            </a:r>
+            <a:r>
+              <a:rPr lang="zh-CN" altLang="en-US" dirty="0"/>
+              <a:t> </a:t>
+            </a:r>
+            <a:r>
+              <a:rPr lang="en-US" altLang="zh-CN" dirty="0"/>
+              <a:t>to</a:t>
+            </a:r>
+            <a:r>
+              <a:rPr lang="zh-CN" altLang="en-US" dirty="0"/>
+              <a:t> </a:t>
+            </a:r>
+            <a:r>
+              <a:rPr lang="en-US" altLang="zh-CN" dirty="0"/>
+              <a:t>use,</a:t>
+            </a:r>
+            <a:r>
+              <a:rPr lang="zh-CN" altLang="en-US" dirty="0"/>
+              <a:t> </a:t>
+            </a:r>
+            <a:r>
+              <a:rPr lang="en-US" altLang="zh-CN" dirty="0"/>
+              <a:t>friendly</a:t>
+            </a:r>
+            <a:r>
+              <a:rPr lang="zh-CN" altLang="en-US" dirty="0"/>
+              <a:t> </a:t>
+            </a:r>
+            <a:r>
+              <a:rPr lang="en-US" altLang="zh-CN" dirty="0"/>
+              <a:t>interface,</a:t>
+            </a:r>
+            <a:r>
+              <a:rPr lang="zh-CN" altLang="en-US" dirty="0"/>
+              <a:t> </a:t>
+            </a:r>
+            <a:r>
+              <a:rPr lang="en-US" altLang="zh-CN" dirty="0"/>
+              <a:t>beautiful</a:t>
+            </a:r>
+            <a:r>
+              <a:rPr lang="zh-CN" altLang="en-US" dirty="0"/>
+              <a:t> </a:t>
+            </a:r>
+            <a:r>
+              <a:rPr lang="en-US" altLang="zh-CN" dirty="0"/>
+              <a:t>graphs</a:t>
+            </a:r>
+          </a:p>
+          <a:p>
+            <a:endParaRPr lang="en-US" altLang="zh-CN" dirty="0"/>
           </a:p>
           <a:p>
             <a:pPr marL="285750" indent="-285750">
@@ -19613,9 +19657,91 @@
               <a:buChar char="•"/>
             </a:pPr>
             <a:r>
+              <a:rPr lang="en-US" altLang="zh-CN" dirty="0" err="1"/>
+              <a:t>Plotly</a:t>
+            </a:r>
+            <a:r>
+              <a:rPr lang="zh-CN" altLang="en-US" dirty="0"/>
+              <a:t> </a:t>
+            </a:r>
+            <a:r>
+              <a:rPr lang="en-US" altLang="zh-CN" dirty="0"/>
+              <a:t>Dash</a:t>
+            </a:r>
+          </a:p>
+          <a:p>
+            <a:r>
+              <a:rPr lang="zh-CN" altLang="en-US" dirty="0"/>
+              <a:t>      </a:t>
+            </a:r>
+            <a:r>
+              <a:rPr lang="en-US" altLang="zh-CN" dirty="0"/>
+              <a:t>Flexible</a:t>
+            </a:r>
+            <a:r>
+              <a:rPr lang="zh-CN" altLang="en-US" dirty="0"/>
+              <a:t> </a:t>
+            </a:r>
+            <a:r>
+              <a:rPr lang="en-US" altLang="zh-CN" dirty="0"/>
+              <a:t>with</a:t>
+            </a:r>
+            <a:r>
+              <a:rPr lang="zh-CN" altLang="en-US" dirty="0"/>
+              <a:t> </a:t>
+            </a:r>
+            <a:r>
+              <a:rPr lang="en-US" altLang="zh-CN" dirty="0"/>
+              <a:t>python</a:t>
+            </a:r>
+            <a:r>
+              <a:rPr lang="zh-CN" altLang="en-US" dirty="0"/>
+              <a:t> </a:t>
+            </a:r>
+            <a:r>
+              <a:rPr lang="en-US" altLang="zh-CN" dirty="0"/>
+              <a:t>code</a:t>
+            </a:r>
+          </a:p>
+          <a:p>
+            <a:endParaRPr lang="en-US" altLang="zh-CN" dirty="0"/>
+          </a:p>
+          <a:p>
+            <a:pPr marL="285750" indent="-285750">
+              <a:buFont typeface="Arial" panose="020B0604020202020204" pitchFamily="34" charset="0"/>
+              <a:buChar char="•"/>
+            </a:pPr>
+            <a:r>
               <a:rPr lang="en-US" altLang="zh-CN" dirty="0"/>
               <a:t>Superset</a:t>
             </a:r>
+          </a:p>
+          <a:p>
+            <a:r>
+              <a:rPr lang="zh-CN" altLang="en-US" dirty="0"/>
+              <a:t>     </a:t>
+            </a:r>
+            <a:r>
+              <a:rPr lang="en-US" altLang="zh-CN" dirty="0"/>
+              <a:t>Powerful</a:t>
+            </a:r>
+            <a:r>
+              <a:rPr lang="zh-CN" altLang="en-US" dirty="0"/>
+              <a:t> </a:t>
+            </a:r>
+            <a:r>
+              <a:rPr lang="en-US" altLang="zh-CN" dirty="0"/>
+              <a:t>with</a:t>
+            </a:r>
+            <a:r>
+              <a:rPr lang="zh-CN" altLang="en-US" dirty="0"/>
+              <a:t> </a:t>
+            </a:r>
+            <a:r>
+              <a:rPr lang="en-US" altLang="zh-CN"/>
+              <a:t>SQL</a:t>
+            </a:r>
+            <a:endParaRPr lang="en-US" altLang="zh-CN" dirty="0"/>
           </a:p>
           <a:p>
             <a:endParaRPr lang="en-US" altLang="zh-CN" dirty="0"/>
